--- a/resources/icon.pptx
+++ b/resources/icon.pptx
@@ -3577,55 +3577,1131 @@
           <a:chExt cx="0" cy="0"/>
         </a:xfrm>
       </p:grpSpPr>
-      <p:sp>
-        <p:nvSpPr>
-          <p:cNvPr id="4" name="사각형: 둥근 모서리 3">
-            <a:extLst>
-              <a:ext uri="{FF2B5EF4-FFF2-40B4-BE49-F238E27FC236}">
-                <a16:creationId xmlns:a16="http://schemas.microsoft.com/office/drawing/2014/main" id="{DDD5AEF1-E40B-92C5-FA20-492BDE6B6954}"/>
-              </a:ext>
-            </a:extLst>
-          </p:cNvPr>
-          <p:cNvSpPr/>
+      <p:grpSp>
+        <p:nvGrpSpPr>
+          <p:cNvPr id="30" name="그룹 29">
+            <a:extLst>
+              <a:ext uri="{FF2B5EF4-FFF2-40B4-BE49-F238E27FC236}">
+                <a16:creationId xmlns:a16="http://schemas.microsoft.com/office/drawing/2014/main" id="{BBD3EDDE-9145-626C-C73C-215DC676758E}"/>
+              </a:ext>
+            </a:extLst>
+          </p:cNvPr>
+          <p:cNvGrpSpPr/>
           <p:nvPr/>
-        </p:nvSpPr>
-        <p:spPr>
+        </p:nvGrpSpPr>
+        <p:grpSpPr>
           <a:xfrm>
-            <a:off x="1924140" y="611045"/>
-            <a:ext cx="5252383" cy="4329315"/>
+            <a:off x="1312984" y="1284165"/>
+            <a:ext cx="9507416" cy="2654789"/>
+            <a:chOff x="2145323" y="1313473"/>
+            <a:chExt cx="6945924" cy="2176418"/>
           </a:xfrm>
-          <a:prstGeom prst="roundRect">
-            <a:avLst>
-              <a:gd name="adj" fmla="val 6357"/>
-            </a:avLst>
-          </a:prstGeom>
-          <a:noFill/>
-        </p:spPr>
-        <p:style>
-          <a:lnRef idx="2">
-            <a:schemeClr val="accent1">
-              <a:shade val="15000"/>
-            </a:schemeClr>
-          </a:lnRef>
-          <a:fillRef idx="1">
-            <a:schemeClr val="accent1"/>
-          </a:fillRef>
-          <a:effectRef idx="0">
-            <a:schemeClr val="accent1"/>
-          </a:effectRef>
-          <a:fontRef idx="minor">
-            <a:schemeClr val="lt1"/>
-          </a:fontRef>
-        </p:style>
-        <p:txBody>
-          <a:bodyPr rtlCol="0" anchor="ctr"/>
-          <a:lstStyle/>
-          <a:p>
-            <a:pPr algn="ctr"/>
-            <a:endParaRPr lang="ko-KR" altLang="en-US"/>
-          </a:p>
-        </p:txBody>
-      </p:sp>
+        </p:grpSpPr>
+        <p:sp>
+          <p:nvSpPr>
+            <p:cNvPr id="6" name="사각형: 둥근 모서리 5">
+              <a:extLst>
+                <a:ext uri="{FF2B5EF4-FFF2-40B4-BE49-F238E27FC236}">
+                  <a16:creationId xmlns:a16="http://schemas.microsoft.com/office/drawing/2014/main" id="{CD88CCBE-8D5E-0823-0E6D-3898A894DFE5}"/>
+                </a:ext>
+              </a:extLst>
+            </p:cNvPr>
+            <p:cNvSpPr/>
+            <p:nvPr/>
+          </p:nvSpPr>
+          <p:spPr>
+            <a:xfrm>
+              <a:off x="2145323" y="1319611"/>
+              <a:ext cx="6945924" cy="2170280"/>
+            </a:xfrm>
+            <a:prstGeom prst="roundRect">
+              <a:avLst>
+                <a:gd name="adj" fmla="val 4016"/>
+              </a:avLst>
+            </a:prstGeom>
+            <a:solidFill>
+              <a:schemeClr val="bg1">
+                <a:lumMod val="95000"/>
+              </a:schemeClr>
+            </a:solidFill>
+            <a:ln>
+              <a:noFill/>
+            </a:ln>
+          </p:spPr>
+          <p:style>
+            <a:lnRef idx="2">
+              <a:schemeClr val="accent1">
+                <a:shade val="15000"/>
+              </a:schemeClr>
+            </a:lnRef>
+            <a:fillRef idx="1">
+              <a:schemeClr val="accent1"/>
+            </a:fillRef>
+            <a:effectRef idx="0">
+              <a:schemeClr val="accent1"/>
+            </a:effectRef>
+            <a:fontRef idx="minor">
+              <a:schemeClr val="lt1"/>
+            </a:fontRef>
+          </p:style>
+          <p:txBody>
+            <a:bodyPr rtlCol="0" anchor="ctr"/>
+            <a:lstStyle/>
+            <a:p>
+              <a:pPr algn="ctr"/>
+              <a:endParaRPr lang="ko-KR" altLang="en-US"/>
+            </a:p>
+          </p:txBody>
+        </p:sp>
+        <p:pic>
+          <p:nvPicPr>
+            <p:cNvPr id="7" name="그래픽 6" descr="여성 우주 비행사 단색으로 채워진">
+              <a:extLst>
+                <a:ext uri="{FF2B5EF4-FFF2-40B4-BE49-F238E27FC236}">
+                  <a16:creationId xmlns:a16="http://schemas.microsoft.com/office/drawing/2014/main" id="{C43D8028-A9AC-E3F3-B8E2-40E9FA38E9D8}"/>
+                </a:ext>
+              </a:extLst>
+            </p:cNvPr>
+            <p:cNvPicPr>
+              <a:picLocks noChangeAspect="1"/>
+            </p:cNvPicPr>
+            <p:nvPr/>
+          </p:nvPicPr>
+          <p:blipFill>
+            <a:blip r:embed="rId2">
+              <a:extLst>
+                <a:ext uri="{96DAC541-7B7A-43D3-8B79-37D633B846F1}">
+                  <asvg:svgBlip xmlns:asvg="http://schemas.microsoft.com/office/drawing/2016/SVG/main" r:embed="rId3"/>
+                </a:ext>
+              </a:extLst>
+            </a:blip>
+            <a:stretch>
+              <a:fillRect/>
+            </a:stretch>
+          </p:blipFill>
+          <p:spPr>
+            <a:xfrm>
+              <a:off x="2386033" y="1606438"/>
+              <a:ext cx="914400" cy="914400"/>
+            </a:xfrm>
+            <a:prstGeom prst="rect">
+              <a:avLst/>
+            </a:prstGeom>
+          </p:spPr>
+        </p:pic>
+        <p:pic>
+          <p:nvPicPr>
+            <p:cNvPr id="8" name="그래픽 7" descr="우선 순위 단색으로 채워진">
+              <a:extLst>
+                <a:ext uri="{FF2B5EF4-FFF2-40B4-BE49-F238E27FC236}">
+                  <a16:creationId xmlns:a16="http://schemas.microsoft.com/office/drawing/2014/main" id="{BB12406F-7DFE-50C0-4AF3-0099CCD41738}"/>
+                </a:ext>
+              </a:extLst>
+            </p:cNvPr>
+            <p:cNvPicPr>
+              <a:picLocks noChangeAspect="1"/>
+            </p:cNvPicPr>
+            <p:nvPr/>
+          </p:nvPicPr>
+          <p:blipFill>
+            <a:blip r:embed="rId4">
+              <a:extLst>
+                <a:ext uri="{96DAC541-7B7A-43D3-8B79-37D633B846F1}">
+                  <asvg:svgBlip xmlns:asvg="http://schemas.microsoft.com/office/drawing/2016/SVG/main" r:embed="rId5"/>
+                </a:ext>
+              </a:extLst>
+            </a:blip>
+            <a:stretch>
+              <a:fillRect/>
+            </a:stretch>
+          </p:blipFill>
+          <p:spPr>
+            <a:xfrm>
+              <a:off x="5607169" y="1566180"/>
+              <a:ext cx="914400" cy="914400"/>
+            </a:xfrm>
+            <a:prstGeom prst="rect">
+              <a:avLst/>
+            </a:prstGeom>
+          </p:spPr>
+        </p:pic>
+        <p:pic>
+          <p:nvPicPr>
+            <p:cNvPr id="9" name="그래픽 8" descr="인터넷 단색으로 채워진">
+              <a:extLst>
+                <a:ext uri="{FF2B5EF4-FFF2-40B4-BE49-F238E27FC236}">
+                  <a16:creationId xmlns:a16="http://schemas.microsoft.com/office/drawing/2014/main" id="{02B32D52-48CA-B740-1CBC-EA02280E9344}"/>
+                </a:ext>
+              </a:extLst>
+            </p:cNvPr>
+            <p:cNvPicPr>
+              <a:picLocks noChangeAspect="1"/>
+            </p:cNvPicPr>
+            <p:nvPr/>
+          </p:nvPicPr>
+          <p:blipFill>
+            <a:blip r:embed="rId6">
+              <a:extLst>
+                <a:ext uri="{96DAC541-7B7A-43D3-8B79-37D633B846F1}">
+                  <asvg:svgBlip xmlns:asvg="http://schemas.microsoft.com/office/drawing/2016/SVG/main" r:embed="rId7"/>
+                </a:ext>
+              </a:extLst>
+            </a:blip>
+            <a:stretch>
+              <a:fillRect/>
+            </a:stretch>
+          </p:blipFill>
+          <p:spPr>
+            <a:xfrm>
+              <a:off x="3838929" y="1587373"/>
+              <a:ext cx="914400" cy="914400"/>
+            </a:xfrm>
+            <a:prstGeom prst="rect">
+              <a:avLst/>
+            </a:prstGeom>
+          </p:spPr>
+        </p:pic>
+        <p:pic>
+          <p:nvPicPr>
+            <p:cNvPr id="10" name="그래픽 9" descr="사물 인터넷 단색으로 채워진">
+              <a:extLst>
+                <a:ext uri="{FF2B5EF4-FFF2-40B4-BE49-F238E27FC236}">
+                  <a16:creationId xmlns:a16="http://schemas.microsoft.com/office/drawing/2014/main" id="{7D3EF797-3637-EF68-E936-F025658FC24A}"/>
+                </a:ext>
+              </a:extLst>
+            </p:cNvPr>
+            <p:cNvPicPr>
+              <a:picLocks noChangeAspect="1"/>
+            </p:cNvPicPr>
+            <p:nvPr/>
+          </p:nvPicPr>
+          <p:blipFill>
+            <a:blip r:embed="rId8">
+              <a:extLst>
+                <a:ext uri="{96DAC541-7B7A-43D3-8B79-37D633B846F1}">
+                  <asvg:svgBlip xmlns:asvg="http://schemas.microsoft.com/office/drawing/2016/SVG/main" r:embed="rId9"/>
+                </a:ext>
+              </a:extLst>
+            </a:blip>
+            <a:stretch>
+              <a:fillRect/>
+            </a:stretch>
+          </p:blipFill>
+          <p:spPr>
+            <a:xfrm>
+              <a:off x="8031267" y="1559694"/>
+              <a:ext cx="914400" cy="914400"/>
+            </a:xfrm>
+            <a:prstGeom prst="rect">
+              <a:avLst/>
+            </a:prstGeom>
+          </p:spPr>
+        </p:pic>
+        <p:pic>
+          <p:nvPicPr>
+            <p:cNvPr id="11" name="그래픽 10" descr="서버 단색으로 채워진">
+              <a:extLst>
+                <a:ext uri="{FF2B5EF4-FFF2-40B4-BE49-F238E27FC236}">
+                  <a16:creationId xmlns:a16="http://schemas.microsoft.com/office/drawing/2014/main" id="{35B74DFF-B040-9CE6-57F0-0A5E40460CBD}"/>
+                </a:ext>
+              </a:extLst>
+            </p:cNvPr>
+            <p:cNvPicPr>
+              <a:picLocks noChangeAspect="1"/>
+            </p:cNvPicPr>
+            <p:nvPr/>
+          </p:nvPicPr>
+          <p:blipFill>
+            <a:blip r:embed="rId10">
+              <a:extLst>
+                <a:ext uri="{96DAC541-7B7A-43D3-8B79-37D633B846F1}">
+                  <asvg:svgBlip xmlns:asvg="http://schemas.microsoft.com/office/drawing/2016/SVG/main" r:embed="rId11"/>
+                </a:ext>
+              </a:extLst>
+            </a:blip>
+            <a:stretch>
+              <a:fillRect/>
+            </a:stretch>
+          </p:blipFill>
+          <p:spPr>
+            <a:xfrm>
+              <a:off x="5661434" y="2519759"/>
+              <a:ext cx="914400" cy="914400"/>
+            </a:xfrm>
+            <a:prstGeom prst="rect">
+              <a:avLst/>
+            </a:prstGeom>
+          </p:spPr>
+        </p:pic>
+        <p:cxnSp>
+          <p:nvCxnSpPr>
+            <p:cNvPr id="12" name="직선 화살표 연결선 11">
+              <a:extLst>
+                <a:ext uri="{FF2B5EF4-FFF2-40B4-BE49-F238E27FC236}">
+                  <a16:creationId xmlns:a16="http://schemas.microsoft.com/office/drawing/2014/main" id="{E7BAB404-2A73-8735-4347-6C5DB96D6D5C}"/>
+                </a:ext>
+              </a:extLst>
+            </p:cNvPr>
+            <p:cNvCxnSpPr>
+              <a:cxnSpLocks/>
+            </p:cNvCxnSpPr>
+            <p:nvPr/>
+          </p:nvCxnSpPr>
+          <p:spPr>
+            <a:xfrm>
+              <a:off x="3300433" y="2017059"/>
+              <a:ext cx="567768" cy="0"/>
+            </a:xfrm>
+            <a:prstGeom prst="straightConnector1">
+              <a:avLst/>
+            </a:prstGeom>
+            <a:ln>
+              <a:solidFill>
+                <a:srgbClr val="7F7F7F"/>
+              </a:solidFill>
+              <a:tailEnd type="triangle"/>
+            </a:ln>
+          </p:spPr>
+          <p:style>
+            <a:lnRef idx="1">
+              <a:schemeClr val="accent1"/>
+            </a:lnRef>
+            <a:fillRef idx="0">
+              <a:schemeClr val="accent1"/>
+            </a:fillRef>
+            <a:effectRef idx="0">
+              <a:schemeClr val="accent1"/>
+            </a:effectRef>
+            <a:fontRef idx="minor">
+              <a:schemeClr val="tx1"/>
+            </a:fontRef>
+          </p:style>
+        </p:cxnSp>
+        <p:cxnSp>
+          <p:nvCxnSpPr>
+            <p:cNvPr id="13" name="직선 화살표 연결선 12">
+              <a:extLst>
+                <a:ext uri="{FF2B5EF4-FFF2-40B4-BE49-F238E27FC236}">
+                  <a16:creationId xmlns:a16="http://schemas.microsoft.com/office/drawing/2014/main" id="{B301EEAD-E43F-36B6-E778-BBA50F8F5232}"/>
+                </a:ext>
+              </a:extLst>
+            </p:cNvPr>
+            <p:cNvCxnSpPr>
+              <a:cxnSpLocks/>
+            </p:cNvCxnSpPr>
+            <p:nvPr/>
+          </p:nvCxnSpPr>
+          <p:spPr>
+            <a:xfrm>
+              <a:off x="4701988" y="2160494"/>
+              <a:ext cx="1038455" cy="0"/>
+            </a:xfrm>
+            <a:prstGeom prst="straightConnector1">
+              <a:avLst/>
+            </a:prstGeom>
+            <a:ln>
+              <a:solidFill>
+                <a:srgbClr val="7F7F7F"/>
+              </a:solidFill>
+              <a:tailEnd type="triangle"/>
+            </a:ln>
+          </p:spPr>
+          <p:style>
+            <a:lnRef idx="1">
+              <a:schemeClr val="accent1"/>
+            </a:lnRef>
+            <a:fillRef idx="0">
+              <a:schemeClr val="accent1"/>
+            </a:fillRef>
+            <a:effectRef idx="0">
+              <a:schemeClr val="accent1"/>
+            </a:effectRef>
+            <a:fontRef idx="minor">
+              <a:schemeClr val="tx1"/>
+            </a:fontRef>
+          </p:style>
+        </p:cxnSp>
+        <p:cxnSp>
+          <p:nvCxnSpPr>
+            <p:cNvPr id="14" name="직선 화살표 연결선 13">
+              <a:extLst>
+                <a:ext uri="{FF2B5EF4-FFF2-40B4-BE49-F238E27FC236}">
+                  <a16:creationId xmlns:a16="http://schemas.microsoft.com/office/drawing/2014/main" id="{99743738-F299-66AD-F4AF-47CA954ED934}"/>
+                </a:ext>
+              </a:extLst>
+            </p:cNvPr>
+            <p:cNvCxnSpPr>
+              <a:cxnSpLocks/>
+            </p:cNvCxnSpPr>
+            <p:nvPr/>
+          </p:nvCxnSpPr>
+          <p:spPr>
+            <a:xfrm>
+              <a:off x="6476746" y="2268070"/>
+              <a:ext cx="1600454" cy="0"/>
+            </a:xfrm>
+            <a:prstGeom prst="straightConnector1">
+              <a:avLst/>
+            </a:prstGeom>
+            <a:ln>
+              <a:solidFill>
+                <a:srgbClr val="7F7F7F"/>
+              </a:solidFill>
+              <a:tailEnd type="triangle"/>
+            </a:ln>
+          </p:spPr>
+          <p:style>
+            <a:lnRef idx="1">
+              <a:schemeClr val="accent1"/>
+            </a:lnRef>
+            <a:fillRef idx="0">
+              <a:schemeClr val="accent1"/>
+            </a:fillRef>
+            <a:effectRef idx="0">
+              <a:schemeClr val="accent1"/>
+            </a:effectRef>
+            <a:fontRef idx="minor">
+              <a:schemeClr val="tx1"/>
+            </a:fontRef>
+          </p:style>
+        </p:cxnSp>
+        <p:cxnSp>
+          <p:nvCxnSpPr>
+            <p:cNvPr id="15" name="직선 화살표 연결선 14">
+              <a:extLst>
+                <a:ext uri="{FF2B5EF4-FFF2-40B4-BE49-F238E27FC236}">
+                  <a16:creationId xmlns:a16="http://schemas.microsoft.com/office/drawing/2014/main" id="{45CCB5D4-EFEE-7B21-78A5-89F74B355E2B}"/>
+                </a:ext>
+              </a:extLst>
+            </p:cNvPr>
+            <p:cNvCxnSpPr>
+              <a:cxnSpLocks/>
+            </p:cNvCxnSpPr>
+            <p:nvPr/>
+          </p:nvCxnSpPr>
+          <p:spPr>
+            <a:xfrm flipH="1">
+              <a:off x="6476746" y="1905000"/>
+              <a:ext cx="1506325" cy="0"/>
+            </a:xfrm>
+            <a:prstGeom prst="straightConnector1">
+              <a:avLst/>
+            </a:prstGeom>
+            <a:ln>
+              <a:solidFill>
+                <a:srgbClr val="7F7F7F"/>
+              </a:solidFill>
+              <a:tailEnd type="triangle"/>
+            </a:ln>
+          </p:spPr>
+          <p:style>
+            <a:lnRef idx="1">
+              <a:schemeClr val="accent1"/>
+            </a:lnRef>
+            <a:fillRef idx="0">
+              <a:schemeClr val="accent1"/>
+            </a:fillRef>
+            <a:effectRef idx="0">
+              <a:schemeClr val="accent1"/>
+            </a:effectRef>
+            <a:fontRef idx="minor">
+              <a:schemeClr val="tx1"/>
+            </a:fontRef>
+          </p:style>
+        </p:cxnSp>
+        <p:cxnSp>
+          <p:nvCxnSpPr>
+            <p:cNvPr id="16" name="직선 화살표 연결선 15">
+              <a:extLst>
+                <a:ext uri="{FF2B5EF4-FFF2-40B4-BE49-F238E27FC236}">
+                  <a16:creationId xmlns:a16="http://schemas.microsoft.com/office/drawing/2014/main" id="{6AF25986-9EEE-1296-B652-FC8704CA5E80}"/>
+                </a:ext>
+              </a:extLst>
+            </p:cNvPr>
+            <p:cNvCxnSpPr>
+              <a:cxnSpLocks/>
+            </p:cNvCxnSpPr>
+            <p:nvPr/>
+          </p:nvCxnSpPr>
+          <p:spPr>
+            <a:xfrm>
+              <a:off x="6178923" y="2344666"/>
+              <a:ext cx="0" cy="228205"/>
+            </a:xfrm>
+            <a:prstGeom prst="straightConnector1">
+              <a:avLst/>
+            </a:prstGeom>
+            <a:ln>
+              <a:solidFill>
+                <a:srgbClr val="7F7F7F"/>
+              </a:solidFill>
+              <a:tailEnd type="triangle"/>
+            </a:ln>
+          </p:spPr>
+          <p:style>
+            <a:lnRef idx="1">
+              <a:schemeClr val="accent1"/>
+            </a:lnRef>
+            <a:fillRef idx="0">
+              <a:schemeClr val="accent1"/>
+            </a:fillRef>
+            <a:effectRef idx="0">
+              <a:schemeClr val="accent1"/>
+            </a:effectRef>
+            <a:fontRef idx="minor">
+              <a:schemeClr val="tx1"/>
+            </a:fontRef>
+          </p:style>
+        </p:cxnSp>
+        <p:cxnSp>
+          <p:nvCxnSpPr>
+            <p:cNvPr id="17" name="직선 화살표 연결선 16">
+              <a:extLst>
+                <a:ext uri="{FF2B5EF4-FFF2-40B4-BE49-F238E27FC236}">
+                  <a16:creationId xmlns:a16="http://schemas.microsoft.com/office/drawing/2014/main" id="{C15DBF11-541B-C5A1-5A47-A2C5161C9A51}"/>
+                </a:ext>
+              </a:extLst>
+            </p:cNvPr>
+            <p:cNvCxnSpPr>
+              <a:cxnSpLocks/>
+            </p:cNvCxnSpPr>
+            <p:nvPr/>
+          </p:nvCxnSpPr>
+          <p:spPr>
+            <a:xfrm flipH="1">
+              <a:off x="4657195" y="1922929"/>
+              <a:ext cx="979958" cy="0"/>
+            </a:xfrm>
+            <a:prstGeom prst="straightConnector1">
+              <a:avLst/>
+            </a:prstGeom>
+            <a:ln>
+              <a:solidFill>
+                <a:srgbClr val="7F7F7F"/>
+              </a:solidFill>
+              <a:tailEnd type="triangle"/>
+            </a:ln>
+          </p:spPr>
+          <p:style>
+            <a:lnRef idx="1">
+              <a:schemeClr val="accent1"/>
+            </a:lnRef>
+            <a:fillRef idx="0">
+              <a:schemeClr val="accent1"/>
+            </a:fillRef>
+            <a:effectRef idx="0">
+              <a:schemeClr val="accent1"/>
+            </a:effectRef>
+            <a:fontRef idx="minor">
+              <a:schemeClr val="tx1"/>
+            </a:fontRef>
+          </p:style>
+        </p:cxnSp>
+        <p:sp>
+          <p:nvSpPr>
+            <p:cNvPr id="18" name="TextBox 17">
+              <a:extLst>
+                <a:ext uri="{FF2B5EF4-FFF2-40B4-BE49-F238E27FC236}">
+                  <a16:creationId xmlns:a16="http://schemas.microsoft.com/office/drawing/2014/main" id="{CD43AD4D-B949-6275-596A-0D89219F64AE}"/>
+                </a:ext>
+              </a:extLst>
+            </p:cNvPr>
+            <p:cNvSpPr txBox="1"/>
+            <p:nvPr/>
+          </p:nvSpPr>
+          <p:spPr>
+            <a:xfrm>
+              <a:off x="3348269" y="2017059"/>
+              <a:ext cx="519933" cy="163036"/>
+            </a:xfrm>
+            <a:prstGeom prst="rect">
+              <a:avLst/>
+            </a:prstGeom>
+            <a:noFill/>
+          </p:spPr>
+          <p:txBody>
+            <a:bodyPr wrap="none" rtlCol="0">
+              <a:spAutoFit/>
+            </a:bodyPr>
+            <a:lstStyle/>
+            <a:p>
+              <a:pPr algn="r"/>
+              <a:r>
+                <a:rPr lang="en-US" altLang="ko-KR" sz="1000" dirty="0">
+                  <a:latin typeface="+mn-ea"/>
+                </a:rPr>
+                <a:t>1. query</a:t>
+              </a:r>
+              <a:endParaRPr lang="ko-KR" altLang="en-US" sz="1000" dirty="0">
+                <a:latin typeface="+mn-ea"/>
+              </a:endParaRPr>
+            </a:p>
+          </p:txBody>
+        </p:sp>
+        <p:sp>
+          <p:nvSpPr>
+            <p:cNvPr id="19" name="TextBox 18">
+              <a:extLst>
+                <a:ext uri="{FF2B5EF4-FFF2-40B4-BE49-F238E27FC236}">
+                  <a16:creationId xmlns:a16="http://schemas.microsoft.com/office/drawing/2014/main" id="{2028CFCE-4DE3-64B6-9A72-6C5285E7F560}"/>
+                </a:ext>
+              </a:extLst>
+            </p:cNvPr>
+            <p:cNvSpPr txBox="1"/>
+            <p:nvPr/>
+          </p:nvSpPr>
+          <p:spPr>
+            <a:xfrm>
+              <a:off x="3929760" y="2327789"/>
+              <a:ext cx="799467" cy="163036"/>
+            </a:xfrm>
+            <a:prstGeom prst="rect">
+              <a:avLst/>
+            </a:prstGeom>
+            <a:noFill/>
+          </p:spPr>
+          <p:txBody>
+            <a:bodyPr wrap="none" rtlCol="0">
+              <a:spAutoFit/>
+            </a:bodyPr>
+            <a:lstStyle/>
+            <a:p>
+              <a:pPr algn="ctr"/>
+              <a:r>
+                <a:rPr lang="en-US" altLang="ko-KR" sz="1000" dirty="0">
+                  <a:solidFill>
+                    <a:schemeClr val="tx1">
+                      <a:lumMod val="50000"/>
+                      <a:lumOff val="50000"/>
+                    </a:schemeClr>
+                  </a:solidFill>
+                  <a:latin typeface="+mn-ea"/>
+                </a:rPr>
+                <a:t>AI Application</a:t>
+              </a:r>
+              <a:endParaRPr lang="ko-KR" altLang="en-US" sz="1000" dirty="0">
+                <a:solidFill>
+                  <a:schemeClr val="tx1">
+                    <a:lumMod val="50000"/>
+                    <a:lumOff val="50000"/>
+                  </a:schemeClr>
+                </a:solidFill>
+                <a:latin typeface="+mn-ea"/>
+              </a:endParaRPr>
+            </a:p>
+          </p:txBody>
+        </p:sp>
+        <p:sp>
+          <p:nvSpPr>
+            <p:cNvPr id="20" name="TextBox 19">
+              <a:extLst>
+                <a:ext uri="{FF2B5EF4-FFF2-40B4-BE49-F238E27FC236}">
+                  <a16:creationId xmlns:a16="http://schemas.microsoft.com/office/drawing/2014/main" id="{CFB4D7F2-CEBD-EBE7-2CD4-B81BD6629ED2}"/>
+                </a:ext>
+              </a:extLst>
+            </p:cNvPr>
+            <p:cNvSpPr txBox="1"/>
+            <p:nvPr/>
+          </p:nvSpPr>
+          <p:spPr>
+            <a:xfrm>
+              <a:off x="2701652" y="2454099"/>
+              <a:ext cx="352213" cy="163036"/>
+            </a:xfrm>
+            <a:prstGeom prst="rect">
+              <a:avLst/>
+            </a:prstGeom>
+            <a:noFill/>
+          </p:spPr>
+          <p:txBody>
+            <a:bodyPr wrap="none" rtlCol="0">
+              <a:spAutoFit/>
+            </a:bodyPr>
+            <a:lstStyle/>
+            <a:p>
+              <a:pPr algn="ctr"/>
+              <a:r>
+                <a:rPr lang="en-US" altLang="ko-KR" sz="1000" dirty="0">
+                  <a:solidFill>
+                    <a:schemeClr val="tx1">
+                      <a:lumMod val="50000"/>
+                      <a:lumOff val="50000"/>
+                    </a:schemeClr>
+                  </a:solidFill>
+                  <a:latin typeface="+mn-ea"/>
+                </a:rPr>
+                <a:t>User</a:t>
+              </a:r>
+              <a:endParaRPr lang="ko-KR" altLang="en-US" sz="1000" dirty="0">
+                <a:solidFill>
+                  <a:schemeClr val="tx1">
+                    <a:lumMod val="50000"/>
+                    <a:lumOff val="50000"/>
+                  </a:schemeClr>
+                </a:solidFill>
+                <a:latin typeface="+mn-ea"/>
+              </a:endParaRPr>
+            </a:p>
+          </p:txBody>
+        </p:sp>
+        <p:sp>
+          <p:nvSpPr>
+            <p:cNvPr id="21" name="TextBox 20">
+              <a:extLst>
+                <a:ext uri="{FF2B5EF4-FFF2-40B4-BE49-F238E27FC236}">
+                  <a16:creationId xmlns:a16="http://schemas.microsoft.com/office/drawing/2014/main" id="{05316B5B-3245-DCC7-7B91-E7272F81F4BD}"/>
+                </a:ext>
+              </a:extLst>
+            </p:cNvPr>
+            <p:cNvSpPr txBox="1"/>
+            <p:nvPr/>
+          </p:nvSpPr>
+          <p:spPr>
+            <a:xfrm>
+              <a:off x="5918212" y="2315898"/>
+              <a:ext cx="554239" cy="163036"/>
+            </a:xfrm>
+            <a:prstGeom prst="rect">
+              <a:avLst/>
+            </a:prstGeom>
+            <a:noFill/>
+          </p:spPr>
+          <p:txBody>
+            <a:bodyPr wrap="none" rtlCol="0">
+              <a:spAutoFit/>
+            </a:bodyPr>
+            <a:lstStyle/>
+            <a:p>
+              <a:pPr algn="ctr"/>
+              <a:r>
+                <a:rPr lang="en-US" altLang="ko-KR" sz="1000" dirty="0">
+                  <a:solidFill>
+                    <a:schemeClr val="tx1">
+                      <a:lumMod val="50000"/>
+                      <a:lumOff val="50000"/>
+                    </a:schemeClr>
+                  </a:solidFill>
+                  <a:latin typeface="+mn-ea"/>
+                </a:rPr>
+                <a:t>Retriever</a:t>
+              </a:r>
+              <a:endParaRPr lang="ko-KR" altLang="en-US" sz="1000" dirty="0">
+                <a:solidFill>
+                  <a:schemeClr val="tx1">
+                    <a:lumMod val="50000"/>
+                    <a:lumOff val="50000"/>
+                  </a:schemeClr>
+                </a:solidFill>
+                <a:latin typeface="+mn-ea"/>
+              </a:endParaRPr>
+            </a:p>
+          </p:txBody>
+        </p:sp>
+        <p:sp>
+          <p:nvSpPr>
+            <p:cNvPr id="22" name="TextBox 21">
+              <a:extLst>
+                <a:ext uri="{FF2B5EF4-FFF2-40B4-BE49-F238E27FC236}">
+                  <a16:creationId xmlns:a16="http://schemas.microsoft.com/office/drawing/2014/main" id="{C953F39D-66F4-6180-D754-C1E2BB7D14FA}"/>
+                </a:ext>
+              </a:extLst>
+            </p:cNvPr>
+            <p:cNvSpPr txBox="1"/>
+            <p:nvPr/>
+          </p:nvSpPr>
+          <p:spPr>
+            <a:xfrm>
+              <a:off x="5646477" y="3313751"/>
+              <a:ext cx="944316" cy="163036"/>
+            </a:xfrm>
+            <a:prstGeom prst="rect">
+              <a:avLst/>
+            </a:prstGeom>
+            <a:noFill/>
+          </p:spPr>
+          <p:txBody>
+            <a:bodyPr wrap="none" rtlCol="0">
+              <a:spAutoFit/>
+            </a:bodyPr>
+            <a:lstStyle/>
+            <a:p>
+              <a:pPr algn="ctr"/>
+              <a:r>
+                <a:rPr lang="en-US" altLang="ko-KR" sz="1000" b="1" dirty="0">
+                  <a:solidFill>
+                    <a:schemeClr val="accent1"/>
+                  </a:solidFill>
+                  <a:latin typeface="+mn-ea"/>
+                </a:rPr>
+                <a:t>Vector Database</a:t>
+              </a:r>
+              <a:endParaRPr lang="ko-KR" altLang="en-US" sz="1000" b="1" dirty="0">
+                <a:solidFill>
+                  <a:schemeClr val="accent1"/>
+                </a:solidFill>
+                <a:latin typeface="+mn-ea"/>
+              </a:endParaRPr>
+            </a:p>
+          </p:txBody>
+        </p:sp>
+        <p:sp>
+          <p:nvSpPr>
+            <p:cNvPr id="23" name="TextBox 22">
+              <a:extLst>
+                <a:ext uri="{FF2B5EF4-FFF2-40B4-BE49-F238E27FC236}">
+                  <a16:creationId xmlns:a16="http://schemas.microsoft.com/office/drawing/2014/main" id="{D8BEBA2A-94F3-0C59-A467-6894242F4F88}"/>
+                </a:ext>
+              </a:extLst>
+            </p:cNvPr>
+            <p:cNvSpPr txBox="1"/>
+            <p:nvPr/>
+          </p:nvSpPr>
+          <p:spPr>
+            <a:xfrm>
+              <a:off x="8003464" y="2412855"/>
+              <a:ext cx="1000223" cy="163036"/>
+            </a:xfrm>
+            <a:prstGeom prst="rect">
+              <a:avLst/>
+            </a:prstGeom>
+            <a:noFill/>
+          </p:spPr>
+          <p:txBody>
+            <a:bodyPr wrap="none" rtlCol="0">
+              <a:spAutoFit/>
+            </a:bodyPr>
+            <a:lstStyle/>
+            <a:p>
+              <a:pPr algn="ctr"/>
+              <a:r>
+                <a:rPr lang="en-US" altLang="ko-KR" sz="1000" dirty="0">
+                  <a:solidFill>
+                    <a:schemeClr val="tx1">
+                      <a:lumMod val="50000"/>
+                      <a:lumOff val="50000"/>
+                    </a:schemeClr>
+                  </a:solidFill>
+                  <a:latin typeface="+mn-ea"/>
+                </a:rPr>
+                <a:t>Foundation Model</a:t>
+              </a:r>
+              <a:endParaRPr lang="ko-KR" altLang="en-US" sz="1000" dirty="0">
+                <a:solidFill>
+                  <a:schemeClr val="tx1">
+                    <a:lumMod val="50000"/>
+                    <a:lumOff val="50000"/>
+                  </a:schemeClr>
+                </a:solidFill>
+                <a:latin typeface="+mn-ea"/>
+              </a:endParaRPr>
+            </a:p>
+          </p:txBody>
+        </p:sp>
+        <p:sp>
+          <p:nvSpPr>
+            <p:cNvPr id="24" name="TextBox 23">
+              <a:extLst>
+                <a:ext uri="{FF2B5EF4-FFF2-40B4-BE49-F238E27FC236}">
+                  <a16:creationId xmlns:a16="http://schemas.microsoft.com/office/drawing/2014/main" id="{01E2FC1D-F1F8-4D32-0930-FA636AA33CCF}"/>
+                </a:ext>
+              </a:extLst>
+            </p:cNvPr>
+            <p:cNvSpPr txBox="1"/>
+            <p:nvPr/>
+          </p:nvSpPr>
+          <p:spPr>
+            <a:xfrm>
+              <a:off x="4812245" y="2174180"/>
+              <a:ext cx="723230" cy="163036"/>
+            </a:xfrm>
+            <a:prstGeom prst="rect">
+              <a:avLst/>
+            </a:prstGeom>
+            <a:noFill/>
+          </p:spPr>
+          <p:txBody>
+            <a:bodyPr wrap="none" rtlCol="0">
+              <a:spAutoFit/>
+            </a:bodyPr>
+            <a:lstStyle/>
+            <a:p>
+              <a:pPr algn="ctr"/>
+              <a:r>
+                <a:rPr lang="en-US" altLang="ko-KR" sz="1000" dirty="0">
+                  <a:latin typeface="+mn-ea"/>
+                </a:rPr>
+                <a:t>2. Retrieving</a:t>
+              </a:r>
+              <a:endParaRPr lang="ko-KR" altLang="en-US" sz="1000" dirty="0">
+                <a:latin typeface="+mn-ea"/>
+              </a:endParaRPr>
+            </a:p>
+          </p:txBody>
+        </p:sp>
+        <p:sp>
+          <p:nvSpPr>
+            <p:cNvPr id="25" name="TextBox 24">
+              <a:extLst>
+                <a:ext uri="{FF2B5EF4-FFF2-40B4-BE49-F238E27FC236}">
+                  <a16:creationId xmlns:a16="http://schemas.microsoft.com/office/drawing/2014/main" id="{25068643-A58E-DBF8-BA04-5AAB43BDE686}"/>
+                </a:ext>
+              </a:extLst>
+            </p:cNvPr>
+            <p:cNvSpPr txBox="1"/>
+            <p:nvPr/>
+          </p:nvSpPr>
+          <p:spPr>
+            <a:xfrm>
+              <a:off x="4579723" y="2769070"/>
+              <a:ext cx="1188272" cy="264934"/>
+            </a:xfrm>
+            <a:prstGeom prst="rect">
+              <a:avLst/>
+            </a:prstGeom>
+            <a:noFill/>
+          </p:spPr>
+          <p:txBody>
+            <a:bodyPr wrap="none" rtlCol="0">
+              <a:spAutoFit/>
+            </a:bodyPr>
+            <a:lstStyle/>
+            <a:p>
+              <a:pPr algn="ctr"/>
+              <a:r>
+                <a:rPr lang="en-US" altLang="ko-KR" sz="1000" dirty="0">
+                  <a:latin typeface="+mn-ea"/>
+                </a:rPr>
+                <a:t>3. Semantic Search to </a:t>
+              </a:r>
+            </a:p>
+            <a:p>
+              <a:pPr algn="ctr"/>
+              <a:r>
+                <a:rPr lang="en-US" altLang="ko-KR" sz="1000" dirty="0">
+                  <a:solidFill>
+                    <a:schemeClr val="accent1"/>
+                  </a:solidFill>
+                  <a:latin typeface="+mn-ea"/>
+                </a:rPr>
+                <a:t>Vector</a:t>
+              </a:r>
+              <a:r>
+                <a:rPr lang="ko-KR" altLang="en-US" sz="1000" dirty="0">
+                  <a:solidFill>
+                    <a:schemeClr val="accent1"/>
+                  </a:solidFill>
+                  <a:latin typeface="+mn-ea"/>
+                </a:rPr>
+                <a:t> </a:t>
+              </a:r>
+              <a:r>
+                <a:rPr lang="en-US" altLang="ko-KR" sz="1000" dirty="0">
+                  <a:solidFill>
+                    <a:schemeClr val="accent1"/>
+                  </a:solidFill>
+                  <a:latin typeface="+mn-ea"/>
+                </a:rPr>
+                <a:t>Database</a:t>
+              </a:r>
+              <a:endParaRPr lang="ko-KR" altLang="en-US" sz="1000" dirty="0">
+                <a:solidFill>
+                  <a:schemeClr val="accent1"/>
+                </a:solidFill>
+                <a:latin typeface="+mn-ea"/>
+              </a:endParaRPr>
+            </a:p>
+          </p:txBody>
+        </p:sp>
+        <p:sp>
+          <p:nvSpPr>
+            <p:cNvPr id="26" name="TextBox 25">
+              <a:extLst>
+                <a:ext uri="{FF2B5EF4-FFF2-40B4-BE49-F238E27FC236}">
+                  <a16:creationId xmlns:a16="http://schemas.microsoft.com/office/drawing/2014/main" id="{09737041-0712-EF8D-6C40-4CDB89DE69EB}"/>
+                </a:ext>
+              </a:extLst>
+            </p:cNvPr>
+            <p:cNvSpPr txBox="1"/>
+            <p:nvPr/>
+          </p:nvSpPr>
+          <p:spPr>
+            <a:xfrm>
+              <a:off x="6804127" y="1934020"/>
+              <a:ext cx="805820" cy="163036"/>
+            </a:xfrm>
+            <a:prstGeom prst="rect">
+              <a:avLst/>
+            </a:prstGeom>
+            <a:noFill/>
+          </p:spPr>
+          <p:txBody>
+            <a:bodyPr wrap="none" rtlCol="0">
+              <a:spAutoFit/>
+            </a:bodyPr>
+            <a:lstStyle/>
+            <a:p>
+              <a:pPr algn="ctr"/>
+              <a:r>
+                <a:rPr lang="en-US" altLang="ko-KR" sz="1000" dirty="0">
+                  <a:latin typeface="+mn-ea"/>
+                </a:rPr>
+                <a:t>5. Send Result</a:t>
+              </a:r>
+              <a:endParaRPr lang="ko-KR" altLang="en-US" sz="1000" dirty="0">
+                <a:latin typeface="+mn-ea"/>
+              </a:endParaRPr>
+            </a:p>
+          </p:txBody>
+        </p:sp>
+        <p:sp>
+          <p:nvSpPr>
+            <p:cNvPr id="27" name="TextBox 26">
+              <a:extLst>
+                <a:ext uri="{FF2B5EF4-FFF2-40B4-BE49-F238E27FC236}">
+                  <a16:creationId xmlns:a16="http://schemas.microsoft.com/office/drawing/2014/main" id="{F0E849ED-6834-5AF3-E026-82FC3C2C6860}"/>
+                </a:ext>
+              </a:extLst>
+            </p:cNvPr>
+            <p:cNvSpPr txBox="1"/>
+            <p:nvPr/>
+          </p:nvSpPr>
+          <p:spPr>
+            <a:xfrm>
+              <a:off x="6771077" y="2383834"/>
+              <a:ext cx="1035800" cy="163036"/>
+            </a:xfrm>
+            <a:prstGeom prst="rect">
+              <a:avLst/>
+            </a:prstGeom>
+            <a:noFill/>
+          </p:spPr>
+          <p:txBody>
+            <a:bodyPr wrap="none" rtlCol="0">
+              <a:spAutoFit/>
+            </a:bodyPr>
+            <a:lstStyle/>
+            <a:p>
+              <a:pPr algn="ctr"/>
+              <a:r>
+                <a:rPr lang="en-US" altLang="ko-KR" sz="1000" dirty="0">
+                  <a:latin typeface="+mn-ea"/>
+                </a:rPr>
+                <a:t>4. </a:t>
+              </a:r>
+              <a:r>
+                <a:rPr lang="en-US" altLang="ko-KR" sz="1000" b="1" u="sng" dirty="0">
+                  <a:latin typeface="+mn-ea"/>
+                </a:rPr>
+                <a:t>Semantic Result</a:t>
+              </a:r>
+              <a:endParaRPr lang="en-US" altLang="ko-KR" sz="1000" dirty="0">
+                <a:latin typeface="+mn-ea"/>
+              </a:endParaRPr>
+            </a:p>
+          </p:txBody>
+        </p:sp>
+        <p:sp>
+          <p:nvSpPr>
+            <p:cNvPr id="28" name="TextBox 27">
+              <a:extLst>
+                <a:ext uri="{FF2B5EF4-FFF2-40B4-BE49-F238E27FC236}">
+                  <a16:creationId xmlns:a16="http://schemas.microsoft.com/office/drawing/2014/main" id="{146EB81D-F245-4C1B-DE65-04DFC217BEAB}"/>
+                </a:ext>
+              </a:extLst>
+            </p:cNvPr>
+            <p:cNvSpPr txBox="1"/>
+            <p:nvPr/>
+          </p:nvSpPr>
+          <p:spPr>
+            <a:xfrm>
+              <a:off x="4750526" y="1916263"/>
+              <a:ext cx="805820" cy="163036"/>
+            </a:xfrm>
+            <a:prstGeom prst="rect">
+              <a:avLst/>
+            </a:prstGeom>
+            <a:noFill/>
+          </p:spPr>
+          <p:txBody>
+            <a:bodyPr wrap="none" rtlCol="0">
+              <a:spAutoFit/>
+            </a:bodyPr>
+            <a:lstStyle/>
+            <a:p>
+              <a:pPr algn="ctr"/>
+              <a:r>
+                <a:rPr lang="en-US" altLang="ko-KR" sz="1000" dirty="0">
+                  <a:latin typeface="+mn-ea"/>
+                </a:rPr>
+                <a:t>6. Send</a:t>
+              </a:r>
+              <a:r>
+                <a:rPr lang="ko-KR" altLang="en-US" sz="1000" dirty="0">
+                  <a:latin typeface="+mn-ea"/>
+                </a:rPr>
+                <a:t> </a:t>
+              </a:r>
+              <a:r>
+                <a:rPr lang="en-US" altLang="ko-KR" sz="1000" dirty="0">
+                  <a:latin typeface="+mn-ea"/>
+                </a:rPr>
+                <a:t>Result</a:t>
+              </a:r>
+              <a:endParaRPr lang="ko-KR" altLang="en-US" sz="1000" dirty="0">
+                <a:latin typeface="+mn-ea"/>
+              </a:endParaRPr>
+            </a:p>
+          </p:txBody>
+        </p:sp>
+        <p:sp>
+          <p:nvSpPr>
+            <p:cNvPr id="29" name="TextBox 28">
+              <a:extLst>
+                <a:ext uri="{FF2B5EF4-FFF2-40B4-BE49-F238E27FC236}">
+                  <a16:creationId xmlns:a16="http://schemas.microsoft.com/office/drawing/2014/main" id="{9C510098-4259-634E-0DA1-970092F20CC7}"/>
+                </a:ext>
+              </a:extLst>
+            </p:cNvPr>
+            <p:cNvSpPr txBox="1"/>
+            <p:nvPr/>
+          </p:nvSpPr>
+          <p:spPr>
+            <a:xfrm>
+              <a:off x="2212573" y="1313473"/>
+              <a:ext cx="1550424" cy="246221"/>
+            </a:xfrm>
+            <a:prstGeom prst="rect">
+              <a:avLst/>
+            </a:prstGeom>
+            <a:noFill/>
+          </p:spPr>
+          <p:txBody>
+            <a:bodyPr wrap="none" rtlCol="0">
+              <a:spAutoFit/>
+            </a:bodyPr>
+            <a:lstStyle/>
+            <a:p>
+              <a:r>
+                <a:rPr lang="en-US" altLang="ko-KR" sz="1000" dirty="0">
+                  <a:solidFill>
+                    <a:schemeClr val="bg1">
+                      <a:lumMod val="65000"/>
+                    </a:schemeClr>
+                  </a:solidFill>
+                </a:rPr>
+                <a:t>Basic RAG Architecture</a:t>
+              </a:r>
+              <a:endParaRPr lang="ko-KR" altLang="en-US" sz="1000" dirty="0">
+                <a:solidFill>
+                  <a:schemeClr val="bg1">
+                    <a:lumMod val="65000"/>
+                  </a:schemeClr>
+                </a:solidFill>
+              </a:endParaRPr>
+            </a:p>
+          </p:txBody>
+        </p:sp>
+      </p:grpSp>
     </p:spTree>
     <p:extLst>
       <p:ext uri="{BB962C8B-B14F-4D97-AF65-F5344CB8AC3E}">

--- a/resources/icon.pptx
+++ b/resources/icon.pptx
@@ -3681,8 +3681,8 @@
           </p:blipFill>
           <p:spPr>
             <a:xfrm>
-              <a:off x="2386033" y="1606438"/>
-              <a:ext cx="914400" cy="914400"/>
+              <a:off x="2386033" y="1606439"/>
+              <a:ext cx="913320" cy="913321"/>
             </a:xfrm>
             <a:prstGeom prst="rect">
               <a:avLst/>
